--- a/PR2019-20_vmesna_08.pptx
+++ b/PR2019-20_vmesna_08.pptx
@@ -656,6 +656,90 @@
     </a:lvl9pPr>
   </p:notesStyle>
 </p:notesMaster>
+</file>
+
+<file path=ppt/notesSlides/notesSlide1.xml><?xml version="1.0" encoding="utf-8"?>
+<p:notes xmlns:a="http://schemas.openxmlformats.org/drawingml/2006/main" xmlns:r="http://schemas.openxmlformats.org/officeDocument/2006/relationships" xmlns:p="http://schemas.openxmlformats.org/presentationml/2006/main">
+  <p:cSld>
+    <p:spTree>
+      <p:nvGrpSpPr>
+        <p:cNvPr id="1" name=""/>
+        <p:cNvGrpSpPr/>
+        <p:nvPr/>
+      </p:nvGrpSpPr>
+      <p:grpSpPr>
+        <a:xfrm>
+          <a:off x="0" y="0"/>
+          <a:ext cx="0" cy="0"/>
+          <a:chOff x="0" y="0"/>
+          <a:chExt cx="0" cy="0"/>
+        </a:xfrm>
+      </p:grpSpPr>
+      <p:sp>
+        <p:nvSpPr>
+          <p:cNvPr id="2" name="Slide Image Placeholder 1"/>
+          <p:cNvSpPr>
+            <a:spLocks noGrp="1" noRot="1" noChangeAspect="1"/>
+          </p:cNvSpPr>
+          <p:nvPr>
+            <p:ph type="sldImg"/>
+          </p:nvPr>
+        </p:nvSpPr>
+        <p:spPr/>
+      </p:sp>
+      <p:sp>
+        <p:nvSpPr>
+          <p:cNvPr id="3" name="Notes Placeholder 2"/>
+          <p:cNvSpPr>
+            <a:spLocks noGrp="1"/>
+          </p:cNvSpPr>
+          <p:nvPr>
+            <p:ph type="body" idx="1"/>
+          </p:nvPr>
+        </p:nvSpPr>
+        <p:spPr/>
+        <p:txBody>
+          <a:bodyPr/>
+          <a:lstStyle/>
+          <a:p>
+            <a:endParaRPr lang="sl-SI" dirty="0"/>
+          </a:p>
+        </p:txBody>
+      </p:sp>
+      <p:sp>
+        <p:nvSpPr>
+          <p:cNvPr id="4" name="Slide Number Placeholder 3"/>
+          <p:cNvSpPr>
+            <a:spLocks noGrp="1"/>
+          </p:cNvSpPr>
+          <p:nvPr>
+            <p:ph type="sldNum" sz="quarter" idx="10"/>
+          </p:nvPr>
+        </p:nvSpPr>
+        <p:spPr/>
+        <p:txBody>
+          <a:bodyPr/>
+          <a:lstStyle/>
+          <a:p>
+            <a:fld id="{B3847C52-DF7F-F947-B704-F0BAD17B1E31}" type="slidenum">
+              <a:rPr lang="en-US" smtClean="0"/>
+              <a:t>1</a:t>
+            </a:fld>
+            <a:endParaRPr lang="en-US"/>
+          </a:p>
+        </p:txBody>
+      </p:sp>
+    </p:spTree>
+    <p:extLst>
+      <p:ext uri="{BB962C8B-B14F-4D97-AF65-F5344CB8AC3E}">
+        <p14:creationId xmlns:p14="http://schemas.microsoft.com/office/powerpoint/2010/main" val="3032378456"/>
+      </p:ext>
+    </p:extLst>
+  </p:cSld>
+  <p:clrMapOvr>
+    <a:masterClrMapping/>
+  </p:clrMapOvr>
+</p:notes>
 </file>
 
 <file path=ppt/slideLayouts/slideLayout1.xml><?xml version="1.0" encoding="utf-8"?>
@@ -3573,96 +3657,21 @@
         </p:spPr>
         <p:txBody>
           <a:bodyPr anchor="t">
-            <a:normAutofit fontScale="90000"/>
+            <a:normAutofit/>
           </a:bodyPr>
           <a:lstStyle/>
           <a:p>
             <a:r>
-              <a:rPr lang="en-US" dirty="0" err="1"/>
-              <a:t>Naslov</a:t>
-            </a:r>
-            <a:r>
-              <a:rPr lang="en-US" dirty="0"/>
-              <a:t> </a:t>
-            </a:r>
-            <a:r>
-              <a:rPr lang="en-US" dirty="0" err="1"/>
-              <a:t>projekta</a:t>
-            </a:r>
-            <a:r>
-              <a:rPr lang="en-US" dirty="0"/>
-              <a:t> </a:t>
-            </a:r>
-            <a:r>
-              <a:rPr lang="en-US" dirty="0" err="1"/>
-              <a:t>naj</a:t>
-            </a:r>
-            <a:r>
-              <a:rPr lang="en-US" dirty="0"/>
-              <a:t> </a:t>
-            </a:r>
-            <a:r>
-              <a:rPr lang="en-US" dirty="0" err="1"/>
-              <a:t>bo</a:t>
-            </a:r>
-            <a:r>
-              <a:rPr lang="en-US" dirty="0"/>
-              <a:t> </a:t>
-            </a:r>
-            <a:r>
-              <a:rPr lang="en-US" dirty="0" err="1"/>
-              <a:t>kratek</a:t>
-            </a:r>
-            <a:r>
-              <a:rPr lang="en-US" dirty="0"/>
-              <a:t>, </a:t>
-            </a:r>
-            <a:r>
-              <a:rPr lang="en-US" dirty="0" err="1"/>
-              <a:t>informativen</a:t>
-            </a:r>
-            <a:r>
-              <a:rPr lang="en-US" dirty="0"/>
-              <a:t> in </a:t>
-            </a:r>
-            <a:r>
-              <a:rPr lang="en-US" dirty="0" err="1"/>
-              <a:t>naj</a:t>
-            </a:r>
-            <a:r>
-              <a:rPr lang="en-US" dirty="0"/>
-              <a:t> </a:t>
-            </a:r>
-            <a:r>
-              <a:rPr lang="en-US" dirty="0" err="1"/>
-              <a:t>povzame</a:t>
-            </a:r>
-            <a:r>
-              <a:rPr lang="en-US" dirty="0"/>
-              <a:t> </a:t>
-            </a:r>
-            <a:r>
-              <a:rPr lang="en-US" dirty="0" err="1"/>
-              <a:t>bistvo</a:t>
-            </a:r>
-            <a:r>
-              <a:rPr lang="en-US" dirty="0"/>
-              <a:t> </a:t>
-            </a:r>
-            <a:r>
-              <a:rPr lang="en-US" dirty="0" err="1"/>
-              <a:t>projekta</a:t>
-            </a:r>
-            <a:br>
-              <a:rPr lang="sl-SI" dirty="0"/>
-            </a:br>
-            <a:r>
-              <a:rPr lang="sl-SI" b="1" dirty="0" err="1"/>
-              <a:t>Covid</a:t>
+              <a:rPr lang="en-SI" b="1" dirty="0" smtClean="0"/>
+              <a:t>Primerjava </a:t>
             </a:r>
             <a:r>
               <a:rPr lang="sl-SI" b="1" dirty="0"/>
-              <a:t> 19 in gripa vpliv in širjenje ?</a:t>
+              <a:t>Covid 19 </a:t>
+            </a:r>
+            <a:r>
+              <a:rPr lang="en-SI" b="1" dirty="0" smtClean="0"/>
+              <a:t>z gripo, vpliv ukrepov glede na populacijo države</a:t>
             </a:r>
             <a:endParaRPr lang="en-US" b="1" dirty="0"/>
           </a:p>
@@ -3697,7 +3706,7 @@
         </p:spPr>
         <p:txBody>
           <a:bodyPr>
-            <a:normAutofit fontScale="92500" lnSpcReduction="20000"/>
+            <a:normAutofit fontScale="77500" lnSpcReduction="20000"/>
           </a:bodyPr>
           <a:lstStyle/>
           <a:p>
@@ -3711,35 +3720,17 @@
             <a:endParaRPr lang="en-US" sz="1600" b="1" dirty="0"/>
           </a:p>
           <a:p>
-            <a:r>
-              <a:rPr lang="en-US" sz="1600" dirty="0">
-                <a:hlinkClick r:id="rId2"/>
-              </a:rPr>
-              <a:t>EU </a:t>
-            </a:r>
-            <a:r>
-              <a:rPr lang="en-US" sz="1600" dirty="0" err="1">
-                <a:hlinkClick r:id="rId2"/>
-              </a:rPr>
-              <a:t>gripa</a:t>
-            </a:r>
-            <a:r>
-              <a:rPr lang="en-US" sz="1600" dirty="0"/>
-              <a:t> (</a:t>
-            </a:r>
-            <a:r>
-              <a:rPr lang="en-US" sz="1600" dirty="0" err="1"/>
-              <a:t>vir</a:t>
-            </a:r>
-            <a:r>
-              <a:rPr lang="en-US" sz="1600" dirty="0"/>
-              <a:t> WHO), </a:t>
-            </a:r>
             <a:r>
               <a:rPr lang="en-US" sz="1600" dirty="0">
                 <a:hlinkClick r:id="rId3"/>
               </a:rPr>
-              <a:t>EU Covid19</a:t>
+              <a:t>EU </a:t>
+            </a:r>
+            <a:r>
+              <a:rPr lang="en-US" sz="1600" dirty="0" err="1">
+                <a:hlinkClick r:id="rId3"/>
+              </a:rPr>
+              <a:t>gripa</a:t>
             </a:r>
             <a:r>
               <a:rPr lang="en-US" sz="1600" dirty="0"/>
@@ -3751,27 +3742,13 @@
             </a:r>
             <a:r>
               <a:rPr lang="en-US" sz="1600" dirty="0"/>
-              <a:t> Eu </a:t>
-            </a:r>
-            <a:r>
-              <a:rPr lang="en-US" sz="1600" dirty="0" err="1"/>
-              <a:t>opendata</a:t>
-            </a:r>
-            <a:r>
-              <a:rPr lang="en-US" sz="1600" dirty="0"/>
-              <a:t>), </a:t>
-            </a:r>
-            <a:r>
-              <a:rPr lang="en-US" sz="1600" dirty="0" err="1">
-                <a:hlinkClick r:id="rId4"/>
-              </a:rPr>
-              <a:t>Gripa</a:t>
+              <a:t> WHO), </a:t>
             </a:r>
             <a:r>
               <a:rPr lang="en-US" sz="1600" dirty="0">
                 <a:hlinkClick r:id="rId4"/>
               </a:rPr>
-              <a:t> ZDA</a:t>
+              <a:t>EU Covid19</a:t>
             </a:r>
             <a:r>
               <a:rPr lang="en-US" sz="1600" dirty="0"/>
@@ -3783,18 +3760,50 @@
             </a:r>
             <a:r>
               <a:rPr lang="en-US" sz="1600" dirty="0"/>
-              <a:t> healthdata.gov), </a:t>
+              <a:t> Eu </a:t>
+            </a:r>
+            <a:r>
+              <a:rPr lang="en-US" sz="1600" dirty="0" err="1"/>
+              <a:t>opendata</a:t>
+            </a:r>
+            <a:r>
+              <a:rPr lang="en-US" sz="1600" dirty="0"/>
+              <a:t>), </a:t>
             </a:r>
             <a:r>
               <a:rPr lang="en-US" sz="1600" dirty="0" err="1">
                 <a:hlinkClick r:id="rId5"/>
               </a:rPr>
-              <a:t>populacije</a:t>
+              <a:t>Gripa</a:t>
             </a:r>
             <a:r>
               <a:rPr lang="en-US" sz="1600" dirty="0">
                 <a:hlinkClick r:id="rId5"/>
               </a:rPr>
+              <a:t> ZDA</a:t>
+            </a:r>
+            <a:r>
+              <a:rPr lang="en-US" sz="1600" dirty="0"/>
+              <a:t> (</a:t>
+            </a:r>
+            <a:r>
+              <a:rPr lang="en-US" sz="1600" dirty="0" err="1"/>
+              <a:t>vir</a:t>
+            </a:r>
+            <a:r>
+              <a:rPr lang="en-US" sz="1600" dirty="0"/>
+              <a:t> healthdata.gov), </a:t>
+            </a:r>
+            <a:r>
+              <a:rPr lang="en-US" sz="1600" dirty="0" err="1">
+                <a:hlinkClick r:id="rId6"/>
+              </a:rPr>
+              <a:t>populacije</a:t>
+            </a:r>
+            <a:r>
+              <a:rPr lang="en-US" sz="1600" dirty="0">
+                <a:hlinkClick r:id="rId6"/>
+              </a:rPr>
               <a:t> UN</a:t>
             </a:r>
             <a:r>
@@ -3832,41 +3841,86 @@
           </a:p>
           <a:p>
             <a:r>
-              <a:rPr lang="sl-SI" sz="1600" dirty="0"/>
-              <a:t>prvotni namen zbiranja (zakaj so jih avtorji zbirali oz. uporabili)</a:t>
-            </a:r>
-          </a:p>
-          <a:p>
-            <a:r>
-              <a:rPr lang="sl-SI" sz="1600" dirty="0"/>
-              <a:t>tip podatkov (besedila, slike, meritve, števci, statistike,…) in obseg podatkov (koliko primerov, koliko atributov, koliko razredov, …)</a:t>
-            </a:r>
-          </a:p>
-          <a:p>
-            <a:r>
-              <a:rPr lang="sl-SI" sz="1600" dirty="0"/>
-              <a:t>število manjkajočih zapisov, napak, druge težave</a:t>
-            </a:r>
-          </a:p>
-          <a:p>
-            <a:r>
-              <a:rPr lang="sl-SI" sz="1600" dirty="0"/>
-              <a:t>opis </a:t>
-            </a:r>
-            <a:r>
-              <a:rPr lang="sl-SI" sz="1600" dirty="0" err="1"/>
-              <a:t>predprocesiranja</a:t>
-            </a:r>
-            <a:r>
-              <a:rPr lang="sl-SI" sz="1600" dirty="0"/>
-              <a:t>, da postanejo podatki “uporabni” (pretvorbe, filtriranje, obravnava napak…)</a:t>
-            </a:r>
-          </a:p>
-          <a:p>
-            <a:r>
-              <a:rPr lang="sl-SI" sz="1600" dirty="0"/>
-              <a:t>združevanje virov</a:t>
-            </a:r>
+              <a:rPr lang="en-SI" sz="1600" dirty="0" smtClean="0"/>
+              <a:t>Podatki so bili zbrani za informiranje javnosti o trenutnem stanju</a:t>
+            </a:r>
+            <a:endParaRPr lang="sl-SI" sz="1600" dirty="0"/>
+          </a:p>
+          <a:p>
+            <a:r>
+              <a:rPr lang="en-SI" sz="1600" dirty="0" smtClean="0"/>
+              <a:t>Večina </a:t>
+            </a:r>
+            <a:r>
+              <a:rPr lang="en-SI" sz="1600" dirty="0" smtClean="0"/>
+              <a:t>podatkov je v obliki .csv eden pa v .</a:t>
+            </a:r>
+            <a:r>
+              <a:rPr lang="sl-SI" sz="1600" dirty="0" smtClean="0"/>
+              <a:t>xlsx</a:t>
+            </a:r>
+            <a:r>
+              <a:rPr lang="en-SI" sz="1600" dirty="0" smtClean="0"/>
+              <a:t>, vsaka datoteka s podatki ima par tisoč vrstic, ki so večinoma stringi in številke</a:t>
+            </a:r>
+            <a:r>
+              <a:rPr lang="en-SI" sz="1600" dirty="0" smtClean="0"/>
+              <a:t>. V prihodnosti bomo dodali še več data setov.</a:t>
+            </a:r>
+            <a:endParaRPr lang="sl-SI" sz="1600" dirty="0"/>
+          </a:p>
+          <a:p>
+            <a:r>
+              <a:rPr lang="en-SI" sz="1600" dirty="0" smtClean="0"/>
+              <a:t>Težave </a:t>
+            </a:r>
+            <a:r>
+              <a:rPr lang="en-SI" sz="1600" dirty="0" smtClean="0"/>
+              <a:t>z </a:t>
+            </a:r>
+            <a:r>
+              <a:rPr lang="en-SI" sz="1600" dirty="0" smtClean="0"/>
+              <a:t>mankajočimi </a:t>
+            </a:r>
+            <a:r>
+              <a:rPr lang="en-SI" sz="1600" dirty="0" smtClean="0"/>
+              <a:t>podatki, </a:t>
+            </a:r>
+            <a:r>
+              <a:rPr lang="en-SI" sz="1600" dirty="0" smtClean="0"/>
+              <a:t>nekatere vrstice v datotekah je potrebno </a:t>
+            </a:r>
+            <a:r>
+              <a:rPr lang="en-SI" sz="1600" dirty="0" smtClean="0"/>
+              <a:t>ignorirati </a:t>
+            </a:r>
+            <a:r>
+              <a:rPr lang="en-SI" sz="1600" dirty="0" smtClean="0"/>
+              <a:t>za lažje prihodnje delo. </a:t>
+            </a:r>
+            <a:endParaRPr lang="sl-SI" sz="1600" dirty="0"/>
+          </a:p>
+          <a:p>
+            <a:r>
+              <a:rPr lang="en-SI" sz="1600" dirty="0" smtClean="0"/>
+              <a:t>Podatke z datoteke preberemo, odstranimo vrstice in stolpce ki bi </a:t>
+            </a:r>
+            <a:r>
+              <a:rPr lang="en-SI" sz="1600" dirty="0" smtClean="0"/>
+              <a:t>povzročale </a:t>
+            </a:r>
+            <a:r>
+              <a:rPr lang="en-SI" sz="1600" dirty="0" smtClean="0"/>
+              <a:t>težave, poimenovanje stolpcev s smiselnimi imeni, dodajanje novih stolpcev za vrednosti, ki jih bomo še izračunali.</a:t>
+            </a:r>
+            <a:endParaRPr lang="sl-SI" sz="1600" dirty="0"/>
+          </a:p>
+          <a:p>
+            <a:r>
+              <a:rPr lang="en-SI" sz="1600" dirty="0" smtClean="0"/>
+              <a:t>Naše posamične analize bomo v končnih fazah projekta povezali skupaj, da bomo videli kako so stvari med sabo povezane če sploh so.</a:t>
+            </a:r>
+            <a:endParaRPr lang="sl-SI" sz="1600" dirty="0"/>
           </a:p>
           <a:p>
             <a:endParaRPr lang="en-US" sz="1600" dirty="0"/>
@@ -3915,28 +3969,44 @@
           </a:p>
           <a:p>
             <a:r>
+              <a:rPr lang="en-SI" sz="1600" dirty="0" smtClean="0"/>
+              <a:t>P</a:t>
+            </a:r>
+            <a:r>
+              <a:rPr lang="en-GB" sz="1600" dirty="0" err="1" smtClean="0"/>
+              <a:t>rikaz</a:t>
+            </a:r>
+            <a:r>
+              <a:rPr lang="en-GB" sz="1600" dirty="0" smtClean="0"/>
+              <a:t> </a:t>
+            </a:r>
+            <a:r>
               <a:rPr lang="en-GB" sz="1600" dirty="0" err="1"/>
-              <a:t>prikaz</a:t>
+              <a:t>širjenja</a:t>
+            </a:r>
+            <a:r>
+              <a:rPr lang="en-GB" sz="1600" dirty="0"/>
+              <a:t> in </a:t>
+            </a:r>
+            <a:r>
+              <a:rPr lang="en-GB" sz="1600" dirty="0" err="1"/>
+              <a:t>vpliva</a:t>
             </a:r>
             <a:r>
               <a:rPr lang="en-GB" sz="1600" dirty="0"/>
               <a:t> </a:t>
             </a:r>
             <a:r>
-              <a:rPr lang="en-GB" sz="1600" dirty="0" err="1"/>
-              <a:t>širjenja</a:t>
-            </a:r>
-            <a:r>
-              <a:rPr lang="en-GB" sz="1600" dirty="0"/>
-              <a:t> in </a:t>
-            </a:r>
-            <a:r>
-              <a:rPr lang="en-GB" sz="1600" dirty="0" err="1"/>
-              <a:t>vpliva</a:t>
-            </a:r>
-            <a:r>
-              <a:rPr lang="en-GB" sz="1600" dirty="0"/>
-              <a:t> gripe </a:t>
+              <a:rPr lang="en-GB" sz="1600" dirty="0" smtClean="0"/>
+              <a:t>gripe</a:t>
+            </a:r>
+            <a:r>
+              <a:rPr lang="en-SI" sz="1600" dirty="0" smtClean="0"/>
+              <a:t> in Covid-19</a:t>
+            </a:r>
+            <a:r>
+              <a:rPr lang="en-GB" sz="1600" dirty="0" smtClean="0"/>
+              <a:t> </a:t>
             </a:r>
             <a:r>
               <a:rPr lang="en-GB" sz="1600" dirty="0" err="1"/>
@@ -3947,98 +4017,63 @@
               <a:t> </a:t>
             </a:r>
             <a:r>
-              <a:rPr lang="en-GB" sz="1600" dirty="0" err="1"/>
+              <a:rPr lang="en-GB" sz="1600" dirty="0" err="1" smtClean="0"/>
               <a:t>svet</a:t>
             </a:r>
+            <a:endParaRPr lang="en-SI" sz="1600" dirty="0" smtClean="0"/>
+          </a:p>
+          <a:p>
+            <a:r>
+              <a:rPr lang="en-SI" sz="1600" dirty="0" smtClean="0"/>
+              <a:t>Napoved širjenja Covid 19</a:t>
+            </a:r>
+            <a:endParaRPr lang="en-SI" sz="1600" dirty="0" smtClean="0"/>
+          </a:p>
+          <a:p>
+            <a:r>
+              <a:rPr lang="sl-SI" sz="1600" dirty="0" smtClean="0"/>
+              <a:t>V</a:t>
+            </a:r>
+            <a:r>
+              <a:rPr lang="en-SI" sz="1600" dirty="0" smtClean="0"/>
+              <a:t>pliv povprečne starosti populacije države na smrtnost te </a:t>
+            </a:r>
+            <a:r>
+              <a:rPr lang="en-SI" sz="1600" dirty="0" smtClean="0"/>
+              <a:t>države. Vizualizacija števila </a:t>
+            </a:r>
+            <a:r>
+              <a:rPr lang="en-SI" sz="1600" dirty="0" smtClean="0"/>
+              <a:t>ljudi, ki umre vsako leto.</a:t>
+            </a:r>
+            <a:endParaRPr lang="en-GB" sz="1600" dirty="0" smtClean="0"/>
+          </a:p>
+          <a:p>
+            <a:r>
+              <a:rPr lang="en-SI" sz="1600" dirty="0" smtClean="0"/>
+              <a:t>Vpliv ukrepov </a:t>
+            </a:r>
+            <a:r>
+              <a:rPr lang="en-SI" sz="1600" dirty="0" smtClean="0"/>
+              <a:t>za omejitev Covid19 na </a:t>
+            </a:r>
+            <a:r>
+              <a:rPr lang="en-SI" sz="1600" dirty="0" smtClean="0"/>
+              <a:t>naraščanje/zmanjševanje števila okužb in smrtnosti</a:t>
+            </a:r>
             <a:endParaRPr lang="en-GB" sz="1600" dirty="0"/>
           </a:p>
           <a:p>
             <a:r>
-              <a:rPr lang="en-GB" sz="1600" dirty="0" err="1"/>
-              <a:t>prikaz</a:t>
-            </a:r>
-            <a:r>
-              <a:rPr lang="en-GB" sz="1600" dirty="0"/>
-              <a:t> </a:t>
-            </a:r>
-            <a:r>
-              <a:rPr lang="en-GB" sz="1600" dirty="0" err="1"/>
-              <a:t>širjenja</a:t>
-            </a:r>
-            <a:r>
-              <a:rPr lang="en-GB" sz="1600" dirty="0"/>
-              <a:t> in </a:t>
-            </a:r>
-            <a:r>
-              <a:rPr lang="en-GB" sz="1600" dirty="0" err="1"/>
-              <a:t>vpliva</a:t>
-            </a:r>
-            <a:r>
-              <a:rPr lang="en-GB" sz="1600" dirty="0"/>
-              <a:t> Covid-19 </a:t>
-            </a:r>
-            <a:r>
-              <a:rPr lang="en-GB" sz="1600" dirty="0" err="1"/>
-              <a:t>na</a:t>
-            </a:r>
-            <a:r>
-              <a:rPr lang="en-GB" sz="1600" dirty="0"/>
-              <a:t> </a:t>
-            </a:r>
-            <a:r>
-              <a:rPr lang="en-GB" sz="1600" dirty="0" err="1"/>
-              <a:t>svet</a:t>
-            </a:r>
-            <a:endParaRPr lang="en-GB" sz="1600" dirty="0"/>
-          </a:p>
-          <a:p>
-            <a:r>
-              <a:rPr lang="en-GB" sz="1600" dirty="0" err="1"/>
-              <a:t>primerjava</a:t>
-            </a:r>
-            <a:r>
-              <a:rPr lang="en-GB" sz="1600" dirty="0"/>
-              <a:t> </a:t>
-            </a:r>
-            <a:r>
-              <a:rPr lang="en-GB" sz="1600" dirty="0" err="1"/>
-              <a:t>vpliva</a:t>
-            </a:r>
-            <a:r>
-              <a:rPr lang="en-GB" sz="1600" dirty="0"/>
-              <a:t> Covid-19 </a:t>
-            </a:r>
-            <a:r>
-              <a:rPr lang="en-GB" sz="1600" dirty="0" err="1"/>
-              <a:t>ter</a:t>
-            </a:r>
-            <a:r>
-              <a:rPr lang="en-GB" sz="1600" dirty="0"/>
-              <a:t> gripe</a:t>
-            </a:r>
-          </a:p>
-          <a:p>
-            <a:r>
-              <a:rPr lang="en-GB" sz="1600" dirty="0" err="1"/>
-              <a:t>predpostavke</a:t>
-            </a:r>
-            <a:r>
-              <a:rPr lang="en-GB" sz="1600" dirty="0"/>
-              <a:t> </a:t>
-            </a:r>
-            <a:r>
-              <a:rPr lang="en-GB" sz="1600" dirty="0" err="1"/>
-              <a:t>širjenja</a:t>
-            </a:r>
-            <a:endParaRPr lang="en-GB" sz="1600" dirty="0"/>
-          </a:p>
-          <a:p>
-            <a:r>
-              <a:rPr lang="en-GB" sz="1600" dirty="0" err="1"/>
-              <a:t>primerjava</a:t>
-            </a:r>
-            <a:r>
-              <a:rPr lang="en-GB" sz="1600" dirty="0"/>
+              <a:rPr lang="en-SI" sz="1600" dirty="0" err="1"/>
+              <a:t>P</a:t>
+            </a:r>
+            <a:r>
+              <a:rPr lang="en-GB" sz="1600" dirty="0" err="1" smtClean="0"/>
+              <a:t>rimerjava</a:t>
+            </a:r>
+            <a:r>
+              <a:rPr lang="en-GB" sz="1600" dirty="0" smtClean="0"/>
               <a:t> </a:t>
             </a:r>
             <a:r>
@@ -4055,106 +4090,38 @@
             </a:r>
             <a:r>
               <a:rPr lang="en-GB" sz="1600" dirty="0"/>
-              <a:t> o Covid19 in </a:t>
-            </a:r>
-            <a:r>
-              <a:rPr lang="en-GB" sz="1600" dirty="0" err="1"/>
-              <a:t>sosednjih</a:t>
-            </a:r>
-            <a:r>
-              <a:rPr lang="en-GB" sz="1600" dirty="0"/>
+              <a:t> o Covid19 </a:t>
+            </a:r>
+            <a:r>
+              <a:rPr lang="en-SI" sz="1600" dirty="0" smtClean="0"/>
+              <a:t>s</a:t>
+            </a:r>
+            <a:r>
+              <a:rPr lang="en-GB" sz="1600" dirty="0" smtClean="0"/>
               <a:t> </a:t>
             </a:r>
             <a:r>
-              <a:rPr lang="en-GB" sz="1600" dirty="0" err="1"/>
+              <a:rPr lang="en-SI" sz="1600" dirty="0" smtClean="0"/>
+              <a:t>drugimi</a:t>
+            </a:r>
+            <a:r>
+              <a:rPr lang="en-GB" sz="1600" dirty="0" smtClean="0"/>
+              <a:t> </a:t>
+            </a:r>
+            <a:r>
+              <a:rPr lang="en-GB" sz="1600" dirty="0" err="1" smtClean="0"/>
               <a:t>držav</a:t>
             </a:r>
+            <a:r>
+              <a:rPr lang="en-SI" sz="1600" dirty="0" smtClean="0"/>
+              <a:t>ami</a:t>
+            </a:r>
             <a:endParaRPr lang="en-GB" sz="1600" dirty="0"/>
           </a:p>
           <a:p>
             <a:r>
-              <a:rPr lang="en-GB" sz="1600" dirty="0" err="1"/>
-              <a:t>smrti</a:t>
-            </a:r>
-            <a:r>
-              <a:rPr lang="en-GB" sz="1600" dirty="0"/>
-              <a:t> </a:t>
-            </a:r>
-            <a:r>
-              <a:rPr lang="en-GB" sz="1600" dirty="0" err="1"/>
-              <a:t>zaradi</a:t>
-            </a:r>
-            <a:r>
-              <a:rPr lang="en-GB" sz="1600" dirty="0"/>
-              <a:t> korona </a:t>
-            </a:r>
-            <a:r>
-              <a:rPr lang="en-GB" sz="1600" dirty="0" err="1"/>
-              <a:t>uravnotežene</a:t>
-            </a:r>
-            <a:r>
-              <a:rPr lang="en-GB" sz="1600" dirty="0"/>
-              <a:t> z </a:t>
-            </a:r>
-            <a:r>
-              <a:rPr lang="en-GB" sz="1600" dirty="0" err="1"/>
-              <a:t>številom</a:t>
-            </a:r>
-            <a:r>
-              <a:rPr lang="en-GB" sz="1600" dirty="0"/>
-              <a:t> </a:t>
-            </a:r>
-            <a:r>
-              <a:rPr lang="en-GB" sz="1600" dirty="0" err="1"/>
-              <a:t>populacije</a:t>
-            </a:r>
-            <a:r>
-              <a:rPr lang="en-GB" sz="1600" dirty="0"/>
-              <a:t> </a:t>
-            </a:r>
-            <a:r>
-              <a:rPr lang="en-GB" sz="1600" dirty="0" err="1"/>
-              <a:t>ki</a:t>
-            </a:r>
-            <a:r>
-              <a:rPr lang="en-GB" sz="1600" dirty="0"/>
-              <a:t> </a:t>
-            </a:r>
-            <a:r>
-              <a:rPr lang="en-GB" sz="1600" dirty="0" err="1"/>
-              <a:t>ima</a:t>
-            </a:r>
-            <a:r>
-              <a:rPr lang="en-GB" sz="1600" dirty="0"/>
-              <a:t> v </a:t>
-            </a:r>
-            <a:r>
-              <a:rPr lang="en-GB" sz="1600" dirty="0" err="1"/>
-              <a:t>državi</a:t>
-            </a:r>
-            <a:r>
-              <a:rPr lang="en-GB" sz="1600" dirty="0"/>
-              <a:t> </a:t>
-            </a:r>
-            <a:r>
-              <a:rPr lang="en-GB" sz="1600" dirty="0" err="1"/>
-              <a:t>najvišje</a:t>
-            </a:r>
-            <a:r>
-              <a:rPr lang="en-GB" sz="1600" dirty="0"/>
-              <a:t> </a:t>
-            </a:r>
-            <a:r>
-              <a:rPr lang="en-GB" sz="1600" dirty="0" err="1"/>
-              <a:t>tveganje</a:t>
-            </a:r>
-            <a:r>
-              <a:rPr lang="en-GB" sz="1600" dirty="0"/>
-              <a:t> da </a:t>
-            </a:r>
-            <a:r>
-              <a:rPr lang="en-GB" sz="1600" dirty="0" err="1"/>
-              <a:t>umre</a:t>
+              <a:rPr lang="en-SI" sz="1600" dirty="0" smtClean="0"/>
+              <a:t>Pregledna vizualizacija vseh teh podatkov z globalnim interaktivnim zemljevidom</a:t>
             </a:r>
             <a:endParaRPr lang="en-GB" sz="1600" dirty="0"/>
           </a:p>
@@ -4422,112 +4389,62 @@
         </p:spPr>
         <p:txBody>
           <a:bodyPr>
-            <a:normAutofit lnSpcReduction="10000"/>
+            <a:normAutofit fontScale="92500" lnSpcReduction="10000"/>
           </a:bodyPr>
           <a:lstStyle/>
           <a:p>
             <a:r>
-              <a:rPr lang="en-US" sz="1600" dirty="0" err="1"/>
-              <a:t>Prikazali</a:t>
-            </a:r>
-            <a:r>
-              <a:rPr lang="en-US" sz="1600" dirty="0"/>
-              <a:t> </a:t>
-            </a:r>
-            <a:r>
-              <a:rPr lang="en-US" sz="1600" dirty="0" err="1"/>
-              <a:t>bomo</a:t>
-            </a:r>
-            <a:r>
-              <a:rPr lang="en-US" sz="1600" dirty="0"/>
-              <a:t> </a:t>
-            </a:r>
-            <a:r>
-              <a:rPr lang="en-US" sz="1600" dirty="0" err="1"/>
-              <a:t>širjenje</a:t>
-            </a:r>
-            <a:r>
-              <a:rPr lang="en-US" sz="1600" dirty="0"/>
-              <a:t> in </a:t>
-            </a:r>
-            <a:r>
-              <a:rPr lang="en-US" sz="1600" dirty="0" err="1"/>
-              <a:t>vpliv</a:t>
-            </a:r>
-            <a:r>
-              <a:rPr lang="en-US" sz="1600" dirty="0"/>
-              <a:t> gripe </a:t>
-            </a:r>
-            <a:r>
-              <a:rPr lang="en-US" sz="1600" dirty="0" err="1"/>
-              <a:t>na</a:t>
-            </a:r>
-            <a:r>
-              <a:rPr lang="en-US" sz="1600" dirty="0"/>
-              <a:t> </a:t>
-            </a:r>
-            <a:r>
-              <a:rPr lang="en-US" sz="1600" dirty="0" err="1"/>
-              <a:t>svet</a:t>
-            </a:r>
-            <a:r>
-              <a:rPr lang="en-US" sz="1600" dirty="0"/>
-              <a:t>. </a:t>
-            </a:r>
-            <a:r>
-              <a:rPr lang="sl-SI" sz="1600" dirty="0"/>
-              <a:t>Kje in kako se najbolj širi? </a:t>
-            </a:r>
-          </a:p>
-          <a:p>
-            <a:r>
-              <a:rPr lang="en-US" sz="1600" dirty="0" err="1"/>
-              <a:t>Prikazali</a:t>
-            </a:r>
-            <a:r>
-              <a:rPr lang="en-US" sz="1600" dirty="0"/>
-              <a:t> </a:t>
-            </a:r>
-            <a:r>
-              <a:rPr lang="en-US" sz="1600" dirty="0" err="1"/>
-              <a:t>bomo</a:t>
-            </a:r>
-            <a:r>
-              <a:rPr lang="en-US" sz="1600" dirty="0"/>
-              <a:t> </a:t>
-            </a:r>
-            <a:r>
-              <a:rPr lang="en-US" sz="1600" dirty="0" err="1"/>
-              <a:t>širjenje</a:t>
-            </a:r>
-            <a:r>
-              <a:rPr lang="en-US" sz="1600" dirty="0"/>
-              <a:t> in </a:t>
-            </a:r>
-            <a:r>
-              <a:rPr lang="en-US" sz="1600" dirty="0" err="1"/>
-              <a:t>vpliv</a:t>
-            </a:r>
-            <a:r>
-              <a:rPr lang="en-US" sz="1600" dirty="0"/>
-              <a:t> Covid19 </a:t>
-            </a:r>
-            <a:r>
-              <a:rPr lang="en-US" sz="1600" dirty="0" err="1"/>
-              <a:t>na</a:t>
-            </a:r>
-            <a:r>
-              <a:rPr lang="en-US" sz="1600" dirty="0"/>
-              <a:t> </a:t>
-            </a:r>
-            <a:r>
-              <a:rPr lang="en-US" sz="1600" dirty="0" err="1"/>
-              <a:t>svet</a:t>
-            </a:r>
-            <a:r>
-              <a:rPr lang="sl-SI" sz="1600" dirty="0"/>
+              <a:rPr lang="en-US" sz="1600" dirty="0" smtClean="0"/>
+              <a:t>P</a:t>
+            </a:r>
+            <a:r>
+              <a:rPr lang="en-SI" sz="1600" dirty="0" smtClean="0"/>
+              <a:t>oudarek bomo imeli na interaktivni vizualizaciji na kateri izberemo državo in zanjo se bodo izrisale vizualizacije ter kake ukrepe je ta država sprejela za omejitev Covid 19</a:t>
+            </a:r>
+          </a:p>
+          <a:p>
+            <a:r>
+              <a:rPr lang="en-SI" sz="1600" dirty="0" smtClean="0"/>
+              <a:t>Smrtnost Covida 19 bomo vzporedno primerjali še s skupnim številom umrlih v tisti državi v prejšnih letih ter številom umrlih zaradi gripe v prejšnih letih</a:t>
+            </a:r>
+          </a:p>
+          <a:p>
+            <a:r>
+              <a:rPr lang="sl-SI" sz="1600" dirty="0" smtClean="0"/>
+              <a:t>T</a:t>
+            </a:r>
+            <a:r>
+              <a:rPr lang="en-SI" sz="1600" dirty="0" smtClean="0"/>
+              <a:t>o bomo primerjali še s povprečno starostjo </a:t>
+            </a:r>
+            <a:r>
+              <a:rPr lang="en-SI" sz="1600" dirty="0"/>
+              <a:t>populacije države </a:t>
+            </a:r>
+            <a:endParaRPr lang="en-SI" sz="1600" dirty="0" smtClean="0"/>
+          </a:p>
+          <a:p>
+            <a:r>
+              <a:rPr lang="sl-SI" sz="1600" dirty="0" smtClean="0"/>
+              <a:t>P</a:t>
+            </a:r>
+            <a:r>
+              <a:rPr lang="en-SI" sz="1600" dirty="0" smtClean="0"/>
+              <a:t>oskusili bomo napovedati </a:t>
+            </a:r>
+            <a:r>
+              <a:rPr lang="en-US" sz="1600" dirty="0" err="1" smtClean="0"/>
+              <a:t>širjenj</a:t>
+            </a:r>
+            <a:r>
+              <a:rPr lang="en-SI" sz="1600" dirty="0" smtClean="0"/>
+              <a:t>e Covida 19 glede na stare podatke, to napoved bomo nato primerjali z dejanskim stanjem v tisti državi za določeno časovno obdobje</a:t>
+            </a:r>
+            <a:r>
+              <a:rPr lang="sl-SI" sz="1600" dirty="0" smtClean="0"/>
               <a:t>.</a:t>
             </a:r>
+            <a:endParaRPr lang="sl-SI" sz="1600" dirty="0"/>
           </a:p>
           <a:p>
             <a:r>
@@ -4535,42 +4452,6 @@
               <a:t>P</a:t>
             </a:r>
             <a:r>
-              <a:rPr lang="pt-BR" sz="1600" dirty="0"/>
-              <a:t>rimerjava vpliva Covid-19 ter gripe</a:t>
-            </a:r>
-            <a:r>
-              <a:rPr lang="sl-SI" sz="1600" dirty="0"/>
-              <a:t>.</a:t>
-            </a:r>
-          </a:p>
-          <a:p>
-            <a:r>
-              <a:rPr lang="sl-SI" sz="1600" dirty="0"/>
-              <a:t>P</a:t>
-            </a:r>
-            <a:r>
-              <a:rPr lang="en-US" sz="1600" dirty="0" err="1"/>
-              <a:t>redpostavke</a:t>
-            </a:r>
-            <a:r>
-              <a:rPr lang="en-US" sz="1600" dirty="0"/>
-              <a:t> </a:t>
-            </a:r>
-            <a:r>
-              <a:rPr lang="en-US" sz="1600" dirty="0" err="1"/>
-              <a:t>širjenja</a:t>
-            </a:r>
-            <a:r>
-              <a:rPr lang="sl-SI" sz="1600" dirty="0"/>
-              <a:t> želimo predpostaviti kako se bo širil Covid19 in nato primerjati dejanske rezultate širjenja z našimi predpostavkami.</a:t>
-            </a:r>
-          </a:p>
-          <a:p>
-            <a:r>
-              <a:rPr lang="sl-SI" sz="1600" dirty="0"/>
-              <a:t>P</a:t>
-            </a:r>
-            <a:r>
               <a:rPr lang="en-GB" sz="1600" dirty="0" err="1"/>
               <a:t>rimerjava</a:t>
             </a:r>
@@ -4592,119 +4473,72 @@
             </a:r>
             <a:r>
               <a:rPr lang="en-GB" sz="1600" dirty="0"/>
-              <a:t> o Covid19 in </a:t>
-            </a:r>
-            <a:r>
-              <a:rPr lang="en-GB" sz="1600" dirty="0" err="1"/>
-              <a:t>sosednjih</a:t>
-            </a:r>
-            <a:r>
-              <a:rPr lang="en-GB" sz="1600" dirty="0"/>
+              <a:t> o Covid19 </a:t>
+            </a:r>
+            <a:r>
+              <a:rPr lang="en-SI" sz="1600" dirty="0" smtClean="0"/>
+              <a:t>z</a:t>
+            </a:r>
+            <a:r>
+              <a:rPr lang="en-GB" sz="1600" dirty="0" smtClean="0"/>
               <a:t> </a:t>
             </a:r>
             <a:r>
-              <a:rPr lang="en-GB" sz="1600" dirty="0" err="1"/>
+              <a:rPr lang="en-SI" sz="1600" dirty="0" smtClean="0"/>
+              <a:t>drugimi</a:t>
+            </a:r>
+            <a:r>
+              <a:rPr lang="en-GB" sz="1600" dirty="0" smtClean="0"/>
+              <a:t> </a:t>
+            </a:r>
+            <a:r>
+              <a:rPr lang="en-GB" sz="1600" dirty="0" err="1" smtClean="0"/>
               <a:t>držav</a:t>
             </a:r>
             <a:r>
+              <a:rPr lang="en-SI" sz="1600" dirty="0" smtClean="0"/>
+              <a:t>ami</a:t>
+            </a:r>
+            <a:r>
+              <a:rPr lang="sl-SI" sz="1600" dirty="0" smtClean="0"/>
+              <a:t>, </a:t>
+            </a:r>
+            <a:r>
               <a:rPr lang="sl-SI" sz="1600" dirty="0"/>
-              <a:t>, iz tega razbrati kako deluje naša država v primerjavi z sosedami.</a:t>
-            </a:r>
-          </a:p>
-          <a:p>
+              <a:t>iz </a:t>
+            </a:r>
+            <a:r>
+              <a:rPr lang="sl-SI" sz="1600" dirty="0" smtClean="0"/>
+              <a:t>tega</a:t>
+            </a:r>
+            <a:r>
+              <a:rPr lang="en-SI" sz="1600" dirty="0" smtClean="0"/>
+              <a:t> bomo poskusili</a:t>
+            </a:r>
+            <a:r>
+              <a:rPr lang="sl-SI" sz="1600" dirty="0" smtClean="0"/>
+              <a:t> </a:t>
+            </a:r>
             <a:r>
               <a:rPr lang="sl-SI" sz="1600" dirty="0"/>
-              <a:t>S</a:t>
-            </a:r>
-            <a:r>
-              <a:rPr lang="en-GB" sz="1600" dirty="0" err="1"/>
-              <a:t>mrti</a:t>
-            </a:r>
-            <a:r>
-              <a:rPr lang="en-GB" sz="1600" dirty="0"/>
-              <a:t> </a:t>
-            </a:r>
-            <a:r>
-              <a:rPr lang="en-GB" sz="1600" dirty="0" err="1"/>
-              <a:t>zaradi</a:t>
-            </a:r>
-            <a:r>
-              <a:rPr lang="en-GB" sz="1600" dirty="0"/>
-              <a:t> korona </a:t>
-            </a:r>
-            <a:r>
-              <a:rPr lang="en-GB" sz="1600" dirty="0" err="1"/>
-              <a:t>uravnotežene</a:t>
-            </a:r>
-            <a:r>
-              <a:rPr lang="en-GB" sz="1600" dirty="0"/>
-              <a:t> z </a:t>
-            </a:r>
-            <a:r>
-              <a:rPr lang="en-GB" sz="1600" dirty="0" err="1"/>
-              <a:t>številom</a:t>
-            </a:r>
-            <a:r>
-              <a:rPr lang="en-GB" sz="1600" dirty="0"/>
-              <a:t> </a:t>
-            </a:r>
-            <a:r>
-              <a:rPr lang="en-GB" sz="1600" dirty="0" err="1"/>
-              <a:t>populacije</a:t>
-            </a:r>
-            <a:r>
-              <a:rPr lang="en-GB" sz="1600" dirty="0"/>
-              <a:t> </a:t>
-            </a:r>
-            <a:r>
-              <a:rPr lang="en-GB" sz="1600" dirty="0" err="1"/>
-              <a:t>ki</a:t>
-            </a:r>
-            <a:r>
-              <a:rPr lang="en-GB" sz="1600" dirty="0"/>
-              <a:t> </a:t>
-            </a:r>
-            <a:r>
-              <a:rPr lang="en-GB" sz="1600" dirty="0" err="1"/>
-              <a:t>ima</a:t>
-            </a:r>
-            <a:r>
-              <a:rPr lang="en-GB" sz="1600" dirty="0"/>
-              <a:t> v </a:t>
-            </a:r>
-            <a:r>
-              <a:rPr lang="en-GB" sz="1600" dirty="0" err="1"/>
-              <a:t>državi</a:t>
-            </a:r>
-            <a:r>
-              <a:rPr lang="en-GB" sz="1600" dirty="0"/>
-              <a:t> </a:t>
-            </a:r>
-            <a:r>
-              <a:rPr lang="en-GB" sz="1600" dirty="0" err="1"/>
-              <a:t>najvišje</a:t>
-            </a:r>
-            <a:r>
-              <a:rPr lang="en-GB" sz="1600" dirty="0"/>
-              <a:t> </a:t>
-            </a:r>
-            <a:r>
-              <a:rPr lang="en-GB" sz="1600" dirty="0" err="1"/>
-              <a:t>tveganje</a:t>
-            </a:r>
-            <a:r>
-              <a:rPr lang="en-GB" sz="1600" dirty="0"/>
-              <a:t> da </a:t>
-            </a:r>
-            <a:r>
-              <a:rPr lang="en-GB" sz="1600" dirty="0" err="1"/>
-              <a:t>umre</a:t>
-            </a:r>
-            <a:r>
-              <a:rPr lang="sl-SI" sz="1600" dirty="0"/>
-              <a:t>, tukaj želimo primerjati, katere države imajo več možnosti za hujšo smrtnost zaradi Covid19 zaradi starosti. Katere imajo starejšo populacijo in posledično več možnosti za več smrtnih primerov. </a:t>
-            </a:r>
-            <a:endParaRPr lang="en-US" sz="1600" dirty="0"/>
+              <a:t>razbrati kako </a:t>
+            </a:r>
+            <a:r>
+              <a:rPr lang="en-SI" sz="1600" dirty="0" smtClean="0"/>
+              <a:t>efektivni so bili naši ukrepi napram drugim</a:t>
+            </a:r>
+            <a:r>
+              <a:rPr lang="sl-SI" sz="1600" dirty="0" smtClean="0"/>
+              <a:t>.</a:t>
+            </a:r>
+            <a:endParaRPr lang="en-SI" sz="1600" dirty="0" smtClean="0"/>
+          </a:p>
+          <a:p>
+            <a:r>
+              <a:rPr lang="en-SI" sz="1600" dirty="0" smtClean="0"/>
+              <a:t>Kako so ukrepi specifične države pomagali zmanjšati/povečati število okužb in smrti za Covid 19</a:t>
+            </a:r>
+            <a:endParaRPr lang="en-GB" sz="1600" dirty="0"/>
           </a:p>
         </p:txBody>
       </p:sp>
@@ -4737,7 +4571,7 @@
         </p:spPr>
         <p:txBody>
           <a:bodyPr>
-            <a:normAutofit lnSpcReduction="10000"/>
+            <a:normAutofit fontScale="92500" lnSpcReduction="10000"/>
           </a:bodyPr>
           <a:lstStyle/>
           <a:p>
@@ -4749,28 +4583,41 @@
           <a:p>
             <a:r>
               <a:rPr lang="sl-SI" sz="1600" dirty="0"/>
-              <a:t>Z grafom smo prikazali širjenje Covid19 in število smrti v Sloveniji. </a:t>
-            </a:r>
+              <a:t>Z grafom smo prikazali širjenje Covid19 in število smrti v </a:t>
+            </a:r>
+            <a:r>
+              <a:rPr lang="sl-SI" sz="1600" dirty="0" smtClean="0"/>
+              <a:t>Sloveniji</a:t>
+            </a:r>
+            <a:r>
+              <a:rPr lang="en-SI" sz="1600" dirty="0" smtClean="0"/>
+              <a:t> in Hrvaški</a:t>
+            </a:r>
+            <a:r>
+              <a:rPr lang="sl-SI" sz="1600" dirty="0" smtClean="0"/>
+              <a:t>. </a:t>
+            </a:r>
+            <a:endParaRPr lang="sl-SI" sz="1600" dirty="0"/>
           </a:p>
           <a:p>
             <a:r>
               <a:rPr lang="sl-SI" sz="1600" dirty="0"/>
-              <a:t>Prikazali smo graf starosti populacije v </a:t>
-            </a:r>
-            <a:r>
-              <a:rPr lang="sl-SI" sz="1600" dirty="0" err="1"/>
-              <a:t>Nigerju</a:t>
+              <a:t>Prikazali smo graf starosti populacije v Nigerju in Japonski, iz tega bomo naredili predpostavke in </a:t>
+            </a:r>
+            <a:r>
+              <a:rPr lang="sl-SI" sz="1600" dirty="0" smtClean="0"/>
+              <a:t>napovedi </a:t>
             </a:r>
             <a:r>
               <a:rPr lang="sl-SI" sz="1600" dirty="0"/>
-              <a:t> in Japonski, iz tega bomo naredili predpostavke in napovedi, možnega števila smrti zaradi virusa.</a:t>
-            </a:r>
-          </a:p>
-          <a:p>
-            <a:r>
-              <a:rPr lang="sl-SI" sz="1600" dirty="0"/>
-              <a:t>Prikazali smo število smrti v sosednji državi Avstriji zaradi gripe.</a:t>
-            </a:r>
+              <a:t>možnega števila smrti zaradi virusa.</a:t>
+            </a:r>
+          </a:p>
+          <a:p>
+            <a:pPr marL="0" indent="0">
+              <a:buNone/>
+            </a:pPr>
+            <a:endParaRPr lang="sl-SI" sz="1600" dirty="0"/>
           </a:p>
         </p:txBody>
       </p:sp>
@@ -5585,126 +5432,20 @@
           <a:lstStyle/>
           <a:p>
             <a:r>
-              <a:rPr lang="en-US" sz="1600" b="1" dirty="0" err="1">
+              <a:rPr lang="en-US" sz="1600" b="1" dirty="0" smtClean="0">
                 <a:latin typeface="+mn-lt"/>
               </a:rPr>
-              <a:t>Dodatna</a:t>
-            </a:r>
-            <a:r>
-              <a:rPr lang="en-US" sz="1600" b="1" dirty="0">
+              <a:t>D</a:t>
+            </a:r>
+            <a:r>
+              <a:rPr lang="en-SI" sz="1600" b="1" dirty="0" smtClean="0">
                 <a:latin typeface="+mn-lt"/>
               </a:rPr>
-              <a:t> </a:t>
-            </a:r>
-            <a:r>
-              <a:rPr lang="en-US" sz="1600" b="1" dirty="0" err="1">
-                <a:latin typeface="+mn-lt"/>
-              </a:rPr>
-              <a:t>prosojnica</a:t>
-            </a:r>
-            <a:r>
-              <a:rPr lang="en-US" sz="1600" b="1" dirty="0">
-                <a:latin typeface="+mn-lt"/>
-              </a:rPr>
-              <a:t> za </a:t>
-            </a:r>
-            <a:r>
-              <a:rPr lang="en-US" sz="1600" b="1" dirty="0" err="1">
-                <a:latin typeface="+mn-lt"/>
-              </a:rPr>
-              <a:t>rezultate</a:t>
-            </a:r>
-            <a:r>
-              <a:rPr lang="en-US" sz="1600" b="1" dirty="0">
-                <a:latin typeface="+mn-lt"/>
-              </a:rPr>
-              <a:t> oz. </a:t>
-            </a:r>
-            <a:r>
-              <a:rPr lang="en-US" sz="1600" b="1" dirty="0" err="1">
-                <a:latin typeface="+mn-lt"/>
-              </a:rPr>
-              <a:t>odprta</a:t>
-            </a:r>
-            <a:r>
-              <a:rPr lang="en-US" sz="1600" b="1" dirty="0">
-                <a:latin typeface="+mn-lt"/>
-              </a:rPr>
-              <a:t> </a:t>
-            </a:r>
-            <a:r>
-              <a:rPr lang="en-US" sz="1600" b="1" dirty="0" err="1">
-                <a:latin typeface="+mn-lt"/>
-              </a:rPr>
-              <a:t>vprašanja</a:t>
-            </a:r>
-            <a:r>
-              <a:rPr lang="en-US" sz="1600" b="1" dirty="0">
-                <a:latin typeface="+mn-lt"/>
-              </a:rPr>
-              <a:t> (</a:t>
-            </a:r>
-            <a:r>
-              <a:rPr lang="en-US" sz="1600" b="1" dirty="0" err="1">
-                <a:latin typeface="+mn-lt"/>
-              </a:rPr>
-              <a:t>če</a:t>
-            </a:r>
-            <a:r>
-              <a:rPr lang="en-US" sz="1600" b="1" dirty="0">
-                <a:latin typeface="+mn-lt"/>
-              </a:rPr>
-              <a:t> </a:t>
-            </a:r>
-            <a:r>
-              <a:rPr lang="en-US" sz="1600" b="1" dirty="0" err="1">
-                <a:latin typeface="+mn-lt"/>
-              </a:rPr>
-              <a:t>potrebno</a:t>
-            </a:r>
-            <a:r>
-              <a:rPr lang="en-US" sz="1600" b="1" dirty="0">
-                <a:latin typeface="+mn-lt"/>
-              </a:rPr>
-              <a:t>)</a:t>
-            </a:r>
-          </a:p>
-        </p:txBody>
-      </p:sp>
-      <p:sp>
-        <p:nvSpPr>
-          <p:cNvPr id="3" name="Content Placeholder 2">
-            <a:extLst>
-              <a:ext uri="{FF2B5EF4-FFF2-40B4-BE49-F238E27FC236}">
-                <a16:creationId xmlns:a16="http://schemas.microsoft.com/office/drawing/2014/main" id="{E736DCB2-1C93-E142-85FE-F367FBA7EB28}"/>
-              </a:ext>
-            </a:extLst>
-          </p:cNvPr>
-          <p:cNvSpPr>
-            <a:spLocks noGrp="1"/>
-          </p:cNvSpPr>
-          <p:nvPr>
-            <p:ph idx="1"/>
-          </p:nvPr>
-        </p:nvSpPr>
-        <p:spPr>
-          <a:xfrm>
-            <a:off x="99392" y="513336"/>
-            <a:ext cx="8945217" cy="4253927"/>
-          </a:xfrm>
-          <a:ln>
-            <a:solidFill>
-              <a:schemeClr val="tx1"/>
-            </a:solidFill>
-          </a:ln>
-        </p:spPr>
-        <p:txBody>
-          <a:bodyPr>
-            <a:normAutofit/>
-          </a:bodyPr>
-          <a:lstStyle/>
-          <a:p>
-            <a:endParaRPr lang="en-US" sz="1600" dirty="0"/>
+              <a:t>osedanji rezultati</a:t>
+            </a:r>
+            <a:endParaRPr lang="en-US" sz="1600" b="1" dirty="0">
+              <a:latin typeface="+mn-lt"/>
+            </a:endParaRPr>
           </a:p>
         </p:txBody>
       </p:sp>
@@ -5793,6 +5534,95 @@
           </a:p>
         </p:txBody>
       </p:sp>
+      <p:pic>
+        <p:nvPicPr>
+          <p:cNvPr id="9" name="Content Placeholder 8"/>
+          <p:cNvPicPr>
+            <a:picLocks noGrp="1" noChangeAspect="1"/>
+          </p:cNvPicPr>
+          <p:nvPr>
+            <p:ph idx="1"/>
+          </p:nvPr>
+        </p:nvPicPr>
+        <p:blipFill>
+          <a:blip r:embed="rId2">
+            <a:extLst>
+              <a:ext uri="{28A0092B-C50C-407E-A947-70E740481C1C}">
+                <a14:useLocalDpi xmlns:a14="http://schemas.microsoft.com/office/drawing/2010/main" val="0"/>
+              </a:ext>
+            </a:extLst>
+          </a:blip>
+          <a:stretch>
+            <a:fillRect/>
+          </a:stretch>
+        </p:blipFill>
+        <p:spPr>
+          <a:xfrm>
+            <a:off x="5533200" y="2342789"/>
+            <a:ext cx="3289331" cy="2561396"/>
+          </a:xfrm>
+        </p:spPr>
+      </p:pic>
+      <p:pic>
+        <p:nvPicPr>
+          <p:cNvPr id="10" name="Picture 9"/>
+          <p:cNvPicPr>
+            <a:picLocks noChangeAspect="1"/>
+          </p:cNvPicPr>
+          <p:nvPr/>
+        </p:nvPicPr>
+        <p:blipFill>
+          <a:blip r:embed="rId3">
+            <a:extLst>
+              <a:ext uri="{28A0092B-C50C-407E-A947-70E740481C1C}">
+                <a14:useLocalDpi xmlns:a14="http://schemas.microsoft.com/office/drawing/2010/main" val="0"/>
+              </a:ext>
+            </a:extLst>
+          </a:blip>
+          <a:stretch>
+            <a:fillRect/>
+          </a:stretch>
+        </p:blipFill>
+        <p:spPr>
+          <a:xfrm>
+            <a:off x="5620430" y="1"/>
+            <a:ext cx="3037796" cy="2382444"/>
+          </a:xfrm>
+          <a:prstGeom prst="rect">
+            <a:avLst/>
+          </a:prstGeom>
+        </p:spPr>
+      </p:pic>
+      <p:pic>
+        <p:nvPicPr>
+          <p:cNvPr id="11" name="Picture 10"/>
+          <p:cNvPicPr>
+            <a:picLocks noChangeAspect="1"/>
+          </p:cNvPicPr>
+          <p:nvPr/>
+        </p:nvPicPr>
+        <p:blipFill>
+          <a:blip r:embed="rId4">
+            <a:extLst>
+              <a:ext uri="{28A0092B-C50C-407E-A947-70E740481C1C}">
+                <a14:useLocalDpi xmlns:a14="http://schemas.microsoft.com/office/drawing/2010/main" val="0"/>
+              </a:ext>
+            </a:extLst>
+          </a:blip>
+          <a:stretch>
+            <a:fillRect/>
+          </a:stretch>
+        </p:blipFill>
+        <p:spPr>
+          <a:xfrm>
+            <a:off x="434474" y="1525010"/>
+            <a:ext cx="5098726" cy="2625509"/>
+          </a:xfrm>
+          <a:prstGeom prst="rect">
+            <a:avLst/>
+          </a:prstGeom>
+        </p:spPr>
+      </p:pic>
     </p:spTree>
     <p:extLst>
       <p:ext uri="{BB962C8B-B14F-4D97-AF65-F5344CB8AC3E}">
